--- a/resultados/poster CEEBI/XI FIRMA2022 - Alberto Coll-REV.pptx
+++ b/resultados/poster CEEBI/XI FIRMA2022 - Alberto Coll-REV.pptx
@@ -208,7 +208,7 @@
           <a:p>
             <a:fld id="{45830333-6313-4353-ABCC-3365DA142B50}" type="datetimeFigureOut">
               <a:rPr lang="es-VE" smtClean="0"/>
-              <a:t>16/6/2023</a:t>
+              <a:t>24/6/2023</a:t>
             </a:fld>
             <a:endParaRPr lang="es-VE"/>
           </a:p>
@@ -696,7 +696,7 @@
           <a:p>
             <a:fld id="{1CAAE2B1-BFD7-4CBF-9A54-58388BC7A300}" type="datetimeFigureOut">
               <a:rPr lang="es-VE" smtClean="0"/>
-              <a:t>16/6/2023</a:t>
+              <a:t>24/6/2023</a:t>
             </a:fld>
             <a:endParaRPr lang="es-VE"/>
           </a:p>
@@ -866,7 +866,7 @@
           <a:p>
             <a:fld id="{1CAAE2B1-BFD7-4CBF-9A54-58388BC7A300}" type="datetimeFigureOut">
               <a:rPr lang="es-VE" smtClean="0"/>
-              <a:t>16/6/2023</a:t>
+              <a:t>24/6/2023</a:t>
             </a:fld>
             <a:endParaRPr lang="es-VE"/>
           </a:p>
@@ -1046,7 +1046,7 @@
           <a:p>
             <a:fld id="{1CAAE2B1-BFD7-4CBF-9A54-58388BC7A300}" type="datetimeFigureOut">
               <a:rPr lang="es-VE" smtClean="0"/>
-              <a:t>16/6/2023</a:t>
+              <a:t>24/6/2023</a:t>
             </a:fld>
             <a:endParaRPr lang="es-VE"/>
           </a:p>
@@ -1216,7 +1216,7 @@
           <a:p>
             <a:fld id="{1CAAE2B1-BFD7-4CBF-9A54-58388BC7A300}" type="datetimeFigureOut">
               <a:rPr lang="es-VE" smtClean="0"/>
-              <a:t>16/6/2023</a:t>
+              <a:t>24/6/2023</a:t>
             </a:fld>
             <a:endParaRPr lang="es-VE"/>
           </a:p>
@@ -1460,7 +1460,7 @@
           <a:p>
             <a:fld id="{1CAAE2B1-BFD7-4CBF-9A54-58388BC7A300}" type="datetimeFigureOut">
               <a:rPr lang="es-VE" smtClean="0"/>
-              <a:t>16/6/2023</a:t>
+              <a:t>24/6/2023</a:t>
             </a:fld>
             <a:endParaRPr lang="es-VE"/>
           </a:p>
@@ -1692,7 +1692,7 @@
           <a:p>
             <a:fld id="{1CAAE2B1-BFD7-4CBF-9A54-58388BC7A300}" type="datetimeFigureOut">
               <a:rPr lang="es-VE" smtClean="0"/>
-              <a:t>16/6/2023</a:t>
+              <a:t>24/6/2023</a:t>
             </a:fld>
             <a:endParaRPr lang="es-VE"/>
           </a:p>
@@ -2059,7 +2059,7 @@
           <a:p>
             <a:fld id="{1CAAE2B1-BFD7-4CBF-9A54-58388BC7A300}" type="datetimeFigureOut">
               <a:rPr lang="es-VE" smtClean="0"/>
-              <a:t>16/6/2023</a:t>
+              <a:t>24/6/2023</a:t>
             </a:fld>
             <a:endParaRPr lang="es-VE"/>
           </a:p>
@@ -2177,7 +2177,7 @@
           <a:p>
             <a:fld id="{1CAAE2B1-BFD7-4CBF-9A54-58388BC7A300}" type="datetimeFigureOut">
               <a:rPr lang="es-VE" smtClean="0"/>
-              <a:t>16/6/2023</a:t>
+              <a:t>24/6/2023</a:t>
             </a:fld>
             <a:endParaRPr lang="es-VE"/>
           </a:p>
@@ -2272,7 +2272,7 @@
           <a:p>
             <a:fld id="{1CAAE2B1-BFD7-4CBF-9A54-58388BC7A300}" type="datetimeFigureOut">
               <a:rPr lang="es-VE" smtClean="0"/>
-              <a:t>16/6/2023</a:t>
+              <a:t>24/6/2023</a:t>
             </a:fld>
             <a:endParaRPr lang="es-VE"/>
           </a:p>
@@ -2549,7 +2549,7 @@
           <a:p>
             <a:fld id="{1CAAE2B1-BFD7-4CBF-9A54-58388BC7A300}" type="datetimeFigureOut">
               <a:rPr lang="es-VE" smtClean="0"/>
-              <a:t>16/6/2023</a:t>
+              <a:t>24/6/2023</a:t>
             </a:fld>
             <a:endParaRPr lang="es-VE"/>
           </a:p>
@@ -2806,7 +2806,7 @@
           <a:p>
             <a:fld id="{1CAAE2B1-BFD7-4CBF-9A54-58388BC7A300}" type="datetimeFigureOut">
               <a:rPr lang="es-VE" smtClean="0"/>
-              <a:t>16/6/2023</a:t>
+              <a:t>24/6/2023</a:t>
             </a:fld>
             <a:endParaRPr lang="es-VE"/>
           </a:p>
@@ -3019,7 +3019,7 @@
           <a:p>
             <a:fld id="{1CAAE2B1-BFD7-4CBF-9A54-58388BC7A300}" type="datetimeFigureOut">
               <a:rPr lang="es-VE" smtClean="0"/>
-              <a:t>16/6/2023</a:t>
+              <a:t>24/6/2023</a:t>
             </a:fld>
             <a:endParaRPr lang="es-VE"/>
           </a:p>

--- a/resultados/poster CEEBI/XI FIRMA2022 - Alberto Coll-REV.pptx
+++ b/resultados/poster CEEBI/XI FIRMA2022 - Alberto Coll-REV.pptx
@@ -208,7 +208,7 @@
           <a:p>
             <a:fld id="{45830333-6313-4353-ABCC-3365DA142B50}" type="datetimeFigureOut">
               <a:rPr lang="es-VE" smtClean="0"/>
-              <a:t>24/6/2023</a:t>
+              <a:t>27/6/2023</a:t>
             </a:fld>
             <a:endParaRPr lang="es-VE"/>
           </a:p>
@@ -696,7 +696,7 @@
           <a:p>
             <a:fld id="{1CAAE2B1-BFD7-4CBF-9A54-58388BC7A300}" type="datetimeFigureOut">
               <a:rPr lang="es-VE" smtClean="0"/>
-              <a:t>24/6/2023</a:t>
+              <a:t>27/6/2023</a:t>
             </a:fld>
             <a:endParaRPr lang="es-VE"/>
           </a:p>
@@ -866,7 +866,7 @@
           <a:p>
             <a:fld id="{1CAAE2B1-BFD7-4CBF-9A54-58388BC7A300}" type="datetimeFigureOut">
               <a:rPr lang="es-VE" smtClean="0"/>
-              <a:t>24/6/2023</a:t>
+              <a:t>27/6/2023</a:t>
             </a:fld>
             <a:endParaRPr lang="es-VE"/>
           </a:p>
@@ -1046,7 +1046,7 @@
           <a:p>
             <a:fld id="{1CAAE2B1-BFD7-4CBF-9A54-58388BC7A300}" type="datetimeFigureOut">
               <a:rPr lang="es-VE" smtClean="0"/>
-              <a:t>24/6/2023</a:t>
+              <a:t>27/6/2023</a:t>
             </a:fld>
             <a:endParaRPr lang="es-VE"/>
           </a:p>
@@ -1216,7 +1216,7 @@
           <a:p>
             <a:fld id="{1CAAE2B1-BFD7-4CBF-9A54-58388BC7A300}" type="datetimeFigureOut">
               <a:rPr lang="es-VE" smtClean="0"/>
-              <a:t>24/6/2023</a:t>
+              <a:t>27/6/2023</a:t>
             </a:fld>
             <a:endParaRPr lang="es-VE"/>
           </a:p>
@@ -1460,7 +1460,7 @@
           <a:p>
             <a:fld id="{1CAAE2B1-BFD7-4CBF-9A54-58388BC7A300}" type="datetimeFigureOut">
               <a:rPr lang="es-VE" smtClean="0"/>
-              <a:t>24/6/2023</a:t>
+              <a:t>27/6/2023</a:t>
             </a:fld>
             <a:endParaRPr lang="es-VE"/>
           </a:p>
@@ -1692,7 +1692,7 @@
           <a:p>
             <a:fld id="{1CAAE2B1-BFD7-4CBF-9A54-58388BC7A300}" type="datetimeFigureOut">
               <a:rPr lang="es-VE" smtClean="0"/>
-              <a:t>24/6/2023</a:t>
+              <a:t>27/6/2023</a:t>
             </a:fld>
             <a:endParaRPr lang="es-VE"/>
           </a:p>
@@ -2059,7 +2059,7 @@
           <a:p>
             <a:fld id="{1CAAE2B1-BFD7-4CBF-9A54-58388BC7A300}" type="datetimeFigureOut">
               <a:rPr lang="es-VE" smtClean="0"/>
-              <a:t>24/6/2023</a:t>
+              <a:t>27/6/2023</a:t>
             </a:fld>
             <a:endParaRPr lang="es-VE"/>
           </a:p>
@@ -2177,7 +2177,7 @@
           <a:p>
             <a:fld id="{1CAAE2B1-BFD7-4CBF-9A54-58388BC7A300}" type="datetimeFigureOut">
               <a:rPr lang="es-VE" smtClean="0"/>
-              <a:t>24/6/2023</a:t>
+              <a:t>27/6/2023</a:t>
             </a:fld>
             <a:endParaRPr lang="es-VE"/>
           </a:p>
@@ -2272,7 +2272,7 @@
           <a:p>
             <a:fld id="{1CAAE2B1-BFD7-4CBF-9A54-58388BC7A300}" type="datetimeFigureOut">
               <a:rPr lang="es-VE" smtClean="0"/>
-              <a:t>24/6/2023</a:t>
+              <a:t>27/6/2023</a:t>
             </a:fld>
             <a:endParaRPr lang="es-VE"/>
           </a:p>
@@ -2549,7 +2549,7 @@
           <a:p>
             <a:fld id="{1CAAE2B1-BFD7-4CBF-9A54-58388BC7A300}" type="datetimeFigureOut">
               <a:rPr lang="es-VE" smtClean="0"/>
-              <a:t>24/6/2023</a:t>
+              <a:t>27/6/2023</a:t>
             </a:fld>
             <a:endParaRPr lang="es-VE"/>
           </a:p>
@@ -2806,7 +2806,7 @@
           <a:p>
             <a:fld id="{1CAAE2B1-BFD7-4CBF-9A54-58388BC7A300}" type="datetimeFigureOut">
               <a:rPr lang="es-VE" smtClean="0"/>
-              <a:t>24/6/2023</a:t>
+              <a:t>27/6/2023</a:t>
             </a:fld>
             <a:endParaRPr lang="es-VE"/>
           </a:p>
@@ -3019,7 +3019,7 @@
           <a:p>
             <a:fld id="{1CAAE2B1-BFD7-4CBF-9A54-58388BC7A300}" type="datetimeFigureOut">
               <a:rPr lang="es-VE" smtClean="0"/>
-              <a:t>24/6/2023</a:t>
+              <a:t>27/6/2023</a:t>
             </a:fld>
             <a:endParaRPr lang="es-VE"/>
           </a:p>
